--- a/Activity4/presentation/MVP2 Presentation.pptx
+++ b/Activity4/presentation/MVP2 Presentation.pptx
@@ -4177,17 +4177,14 @@
                 <a:latin typeface="Calibri" panose="020F0502020204030204" pitchFamily="34" charset="0"/>
                 <a:cs typeface="Calibri" panose="020F0502020204030204" pitchFamily="34" charset="0"/>
               </a:rPr>
-              <a:t>Status description: </a:t>
-            </a:r>
-            <a:r>
-              <a:rPr lang="en-US" sz="2000" dirty="0" smtClean="0">
-                <a:solidFill>
-                  <a:schemeClr val="accent6"/>
-                </a:solidFill>
+              <a:t>Status description</a:t>
+            </a:r>
+            <a:r>
+              <a:rPr lang="en-US" dirty="0" smtClean="0">
                 <a:latin typeface="Calibri" panose="020F0502020204030204" pitchFamily="34" charset="0"/>
                 <a:cs typeface="Calibri" panose="020F0502020204030204" pitchFamily="34" charset="0"/>
               </a:rPr>
-              <a:t>Green</a:t>
+              <a:t>:</a:t>
             </a:r>
             <a:endParaRPr lang="en-US" sz="2000" dirty="0">
               <a:solidFill>
@@ -4199,6 +4196,36 @@
           </a:p>
         </p:txBody>
       </p:sp>
+      <p:pic>
+        <p:nvPicPr>
+          <p:cNvPr id="2" name="Picture 1"/>
+          <p:cNvPicPr>
+            <a:picLocks noChangeAspect="1"/>
+          </p:cNvPicPr>
+          <p:nvPr/>
+        </p:nvPicPr>
+        <p:blipFill>
+          <a:blip r:embed="rId2">
+            <a:extLst>
+              <a:ext uri="{28A0092B-C50C-407E-A947-70E740481C1C}">
+                <a14:useLocalDpi xmlns:a14="http://schemas.microsoft.com/office/drawing/2010/main" val="0"/>
+              </a:ext>
+            </a:extLst>
+          </a:blip>
+          <a:stretch>
+            <a:fillRect/>
+          </a:stretch>
+        </p:blipFill>
+        <p:spPr>
+          <a:xfrm>
+            <a:off x="3453787" y="4511748"/>
+            <a:ext cx="2590800" cy="1514475"/>
+          </a:xfrm>
+          <a:prstGeom prst="rect">
+            <a:avLst/>
+          </a:prstGeom>
+        </p:spPr>
+      </p:pic>
     </p:spTree>
     <p:extLst>
       <p:ext uri="{BB962C8B-B14F-4D97-AF65-F5344CB8AC3E}">
@@ -6196,15 +6223,6 @@
 </file>
 
 <file path=customXml/item2.xml><?xml version="1.0" encoding="utf-8"?>
-<p:properties xmlns:p="http://schemas.microsoft.com/office/2006/metadata/properties" xmlns:xsi="http://www.w3.org/2001/XMLSchema-instance" xmlns:pc="http://schemas.microsoft.com/office/infopath/2007/PartnerControls">
-  <documentManagement>
-    <Status xmlns="71af3243-3dd4-4a8d-8c0d-dd76da1f02a5">Not started</Status>
-    <MediaServiceKeyPoints xmlns="71af3243-3dd4-4a8d-8c0d-dd76da1f02a5" xsi:nil="true"/>
-  </documentManagement>
-</p:properties>
-</file>
-
-<file path=customXml/item3.xml><?xml version="1.0" encoding="utf-8"?>
 <ct:contentTypeSchema xmlns:ct="http://schemas.microsoft.com/office/2006/metadata/contentType" xmlns:ma="http://schemas.microsoft.com/office/2006/metadata/properties/metaAttributes" ct:_="" ma:_="" ma:contentTypeName="Document" ma:contentTypeID="0x01010079F111ED35F8CC479449609E8A0923A6" ma:contentTypeVersion="12" ma:contentTypeDescription="Create a new document." ma:contentTypeScope="" ma:versionID="a8a52e8c320b9a064ae3583ae3861c92">
   <xsd:schema xmlns:xsd="http://www.w3.org/2001/XMLSchema" xmlns:xs="http://www.w3.org/2001/XMLSchema" xmlns:p="http://schemas.microsoft.com/office/2006/metadata/properties" xmlns:ns2="71af3243-3dd4-4a8d-8c0d-dd76da1f02a5" xmlns:ns3="16c05727-aa75-4e4a-9b5f-8a80a1165891" targetNamespace="http://schemas.microsoft.com/office/2006/metadata/properties" ma:root="true" ma:fieldsID="88020cb39231a0945110f9cd888b521a" ns2:_="" ns3:_="">
     <xsd:import namespace="71af3243-3dd4-4a8d-8c0d-dd76da1f02a5"/>
@@ -6425,6 +6443,15 @@
 </ct:contentTypeSchema>
 </file>
 
+<file path=customXml/item3.xml><?xml version="1.0" encoding="utf-8"?>
+<p:properties xmlns:p="http://schemas.microsoft.com/office/2006/metadata/properties" xmlns:xsi="http://www.w3.org/2001/XMLSchema-instance" xmlns:pc="http://schemas.microsoft.com/office/infopath/2007/PartnerControls">
+  <documentManagement>
+    <Status xmlns="71af3243-3dd4-4a8d-8c0d-dd76da1f02a5">Not started</Status>
+    <MediaServiceKeyPoints xmlns="71af3243-3dd4-4a8d-8c0d-dd76da1f02a5" xsi:nil="true"/>
+  </documentManagement>
+</p:properties>
+</file>
+
 <file path=customXml/itemProps1.xml><?xml version="1.0" encoding="utf-8"?>
 <ds:datastoreItem xmlns:ds="http://schemas.openxmlformats.org/officeDocument/2006/customXml" ds:itemID="{7EE8C63A-4744-4DE4-BB49-0FF0B5375C60}">
   <ds:schemaRefs>
@@ -6434,16 +6461,6 @@
 </file>
 
 <file path=customXml/itemProps2.xml><?xml version="1.0" encoding="utf-8"?>
-<ds:datastoreItem xmlns:ds="http://schemas.openxmlformats.org/officeDocument/2006/customXml" ds:itemID="{950072C5-DDE0-4258-BA7A-4D4B80DFA632}">
-  <ds:schemaRefs>
-    <ds:schemaRef ds:uri="http://schemas.microsoft.com/office/2006/metadata/properties"/>
-    <ds:schemaRef ds:uri="http://schemas.microsoft.com/office/infopath/2007/PartnerControls"/>
-    <ds:schemaRef ds:uri="71af3243-3dd4-4a8d-8c0d-dd76da1f02a5"/>
-  </ds:schemaRefs>
-</ds:datastoreItem>
-</file>
-
-<file path=customXml/itemProps3.xml><?xml version="1.0" encoding="utf-8"?>
 <ds:datastoreItem xmlns:ds="http://schemas.openxmlformats.org/officeDocument/2006/customXml" ds:itemID="{FD7FC771-7DFE-49DA-B577-71181BFBCB2E}">
   <ds:schemaRefs>
     <ds:schemaRef ds:uri="http://schemas.microsoft.com/office/2006/metadata/contentType"/>
@@ -6460,4 +6477,14 @@
     <ds:schemaRef ds:uri="http://schemas.microsoft.com/internal/obd"/>
   </ds:schemaRefs>
 </ds:datastoreItem>
+</file>
+
+<file path=customXml/itemProps3.xml><?xml version="1.0" encoding="utf-8"?>
+<ds:datastoreItem xmlns:ds="http://schemas.openxmlformats.org/officeDocument/2006/customXml" ds:itemID="{950072C5-DDE0-4258-BA7A-4D4B80DFA632}">
+  <ds:schemaRefs>
+    <ds:schemaRef ds:uri="http://schemas.microsoft.com/office/2006/metadata/properties"/>
+    <ds:schemaRef ds:uri="http://schemas.microsoft.com/office/infopath/2007/PartnerControls"/>
+    <ds:schemaRef ds:uri="71af3243-3dd4-4a8d-8c0d-dd76da1f02a5"/>
+  </ds:schemaRefs>
+</ds:datastoreItem>
 </file>